--- a/deliverables/recipe_recommender_slides.pptx
+++ b/deliverables/recipe_recommender_slides.pptx
@@ -113,6 +113,11 @@
       </a:defRPr>
     </a:lvl9pPr>
   </p:defaultTextStyle>
+  <p:extLst>
+    <p:ext uri="{EFAFB233-063F-42B5-8137-9DF3F51BA10A}">
+      <p15:sldGuideLst xmlns:p15="http://schemas.microsoft.com/office/powerpoint/2012/main"/>
+    </p:ext>
+  </p:extLst>
 </p:presentation>
 </file>
 

--- a/deliverables/recipe_recommender_slides.pptx
+++ b/deliverables/recipe_recommender_slides.pptx
@@ -471,6 +471,90 @@
 </file>
 
 <file path=ppt/notesSlides/notesSlide1.xml><?xml version="1.0" encoding="utf-8"?>
+<p:notes xmlns:a="http://schemas.openxmlformats.org/drawingml/2006/main" xmlns:r="http://schemas.openxmlformats.org/officeDocument/2006/relationships" xmlns:p="http://schemas.openxmlformats.org/presentationml/2006/main">
+  <p:cSld>
+    <p:spTree>
+      <p:nvGrpSpPr>
+        <p:cNvPr id="1" name=""/>
+        <p:cNvGrpSpPr/>
+        <p:nvPr/>
+      </p:nvGrpSpPr>
+      <p:grpSpPr>
+        <a:xfrm>
+          <a:off x="0" y="0"/>
+          <a:ext cx="0" cy="0"/>
+          <a:chOff x="0" y="0"/>
+          <a:chExt cx="0" cy="0"/>
+        </a:xfrm>
+      </p:grpSpPr>
+      <p:sp>
+        <p:nvSpPr>
+          <p:cNvPr id="2" name="Slide Image Placeholder 1"/>
+          <p:cNvSpPr>
+            <a:spLocks noGrp="1" noRot="1" noChangeAspect="1"/>
+          </p:cNvSpPr>
+          <p:nvPr>
+            <p:ph type="sldImg"/>
+          </p:nvPr>
+        </p:nvSpPr>
+        <p:spPr/>
+      </p:sp>
+      <p:sp>
+        <p:nvSpPr>
+          <p:cNvPr id="3" name="Notes Placeholder 2"/>
+          <p:cNvSpPr>
+            <a:spLocks noGrp="1"/>
+          </p:cNvSpPr>
+          <p:nvPr>
+            <p:ph type="body" idx="1"/>
+          </p:nvPr>
+        </p:nvSpPr>
+        <p:spPr/>
+        <p:txBody>
+          <a:bodyPr/>
+          <a:lstStyle/>
+          <a:p>
+            <a:endParaRPr lang="en-US" dirty="0"/>
+          </a:p>
+        </p:txBody>
+      </p:sp>
+      <p:sp>
+        <p:nvSpPr>
+          <p:cNvPr id="4" name="Slide Number Placeholder 3"/>
+          <p:cNvSpPr>
+            <a:spLocks noGrp="1"/>
+          </p:cNvSpPr>
+          <p:nvPr>
+            <p:ph type="sldNum" sz="quarter" idx="5"/>
+          </p:nvPr>
+        </p:nvSpPr>
+        <p:spPr/>
+        <p:txBody>
+          <a:bodyPr/>
+          <a:lstStyle/>
+          <a:p>
+            <a:fld id="{205E7EDA-8F81-4F41-BC0A-0F8756C30249}" type="slidenum">
+              <a:rPr lang="en-US" smtClean="0"/>
+              <a:t>1</a:t>
+            </a:fld>
+            <a:endParaRPr lang="en-US"/>
+          </a:p>
+        </p:txBody>
+      </p:sp>
+    </p:spTree>
+    <p:extLst>
+      <p:ext uri="{BB962C8B-B14F-4D97-AF65-F5344CB8AC3E}">
+        <p14:creationId xmlns:p14="http://schemas.microsoft.com/office/powerpoint/2010/main" val="310317726"/>
+      </p:ext>
+    </p:extLst>
+  </p:cSld>
+  <p:clrMapOvr>
+    <a:masterClrMapping/>
+  </p:clrMapOvr>
+</p:notes>
+</file>
+
+<file path=ppt/notesSlides/notesSlide2.xml><?xml version="1.0" encoding="utf-8"?>
 <p:notes xmlns:a="http://schemas.openxmlformats.org/drawingml/2006/main" xmlns:r="http://schemas.openxmlformats.org/officeDocument/2006/relationships" xmlns:p="http://schemas.openxmlformats.org/presentationml/2006/main">
   <p:cSld>
     <p:spTree>
@@ -4102,8 +4186,8 @@
         </p:nvSpPr>
         <p:spPr>
           <a:xfrm>
-            <a:off x="566054" y="513189"/>
-            <a:ext cx="6455229" cy="2667000"/>
+            <a:off x="838200" y="513189"/>
+            <a:ext cx="5797883" cy="2667000"/>
           </a:xfrm>
         </p:spPr>
         <p:txBody>
@@ -4119,9 +4203,145 @@
                   <a:schemeClr val="tx2"/>
                 </a:solidFill>
               </a:rPr>
-              <a:t>Recipe-Recommender</a:t>
+              <a:t>What</a:t>
+            </a:r>
+            <a:r>
+              <a:rPr lang="zh-CN" altLang="en-US" dirty="0">
+                <a:solidFill>
+                  <a:schemeClr val="tx2"/>
+                </a:solidFill>
+              </a:rPr>
+              <a:t> </a:t>
+            </a:r>
+            <a:r>
+              <a:rPr lang="en-US" altLang="zh-CN" dirty="0">
+                <a:solidFill>
+                  <a:schemeClr val="tx2"/>
+                </a:solidFill>
+              </a:rPr>
+              <a:t>to</a:t>
+            </a:r>
+            <a:r>
+              <a:rPr lang="zh-CN" altLang="en-US" dirty="0">
+                <a:solidFill>
+                  <a:schemeClr val="tx2"/>
+                </a:solidFill>
+              </a:rPr>
+              <a:t> </a:t>
+            </a:r>
+            <a:r>
+              <a:rPr lang="en-US" altLang="zh-CN" dirty="0">
+                <a:solidFill>
+                  <a:schemeClr val="tx2"/>
+                </a:solidFill>
+              </a:rPr>
+              <a:t>Cook</a:t>
+            </a:r>
+            <a:r>
+              <a:rPr lang="zh-CN" altLang="en-US" dirty="0">
+                <a:solidFill>
+                  <a:schemeClr val="tx2"/>
+                </a:solidFill>
+              </a:rPr>
+              <a:t> </a:t>
+            </a:r>
+            <a:r>
+              <a:rPr lang="en-US" altLang="zh-CN" dirty="0">
+                <a:solidFill>
+                  <a:schemeClr val="tx2"/>
+                </a:solidFill>
+              </a:rPr>
+              <a:t>Next?</a:t>
+            </a:r>
+            <a:r>
+              <a:rPr lang="zh-CN" altLang="en-US" dirty="0">
+                <a:solidFill>
+                  <a:schemeClr val="tx2"/>
+                </a:solidFill>
+              </a:rPr>
+              <a:t> </a:t>
             </a:r>
             <a:endParaRPr lang="en-US" dirty="0">
+              <a:solidFill>
+                <a:schemeClr val="tx2"/>
+              </a:solidFill>
+            </a:endParaRPr>
+          </a:p>
+        </p:txBody>
+      </p:sp>
+      <p:sp>
+        <p:nvSpPr>
+          <p:cNvPr id="11" name="Subtitle 10">
+            <a:extLst>
+              <a:ext uri="{FF2B5EF4-FFF2-40B4-BE49-F238E27FC236}">
+                <a16:creationId xmlns:a16="http://schemas.microsoft.com/office/drawing/2014/main" id="{4497E1E4-4C4E-1440-9EB9-727EADFF350C}"/>
+              </a:ext>
+            </a:extLst>
+          </p:cNvPr>
+          <p:cNvSpPr>
+            <a:spLocks noGrp="1"/>
+          </p:cNvSpPr>
+          <p:nvPr>
+            <p:ph type="subTitle" idx="1"/>
+          </p:nvPr>
+        </p:nvSpPr>
+        <p:spPr>
+          <a:xfrm>
+            <a:off x="838200" y="3408788"/>
+            <a:ext cx="5797882" cy="1785690"/>
+          </a:xfrm>
+          <a:prstGeom prst="rect">
+            <a:avLst/>
+          </a:prstGeom>
+        </p:spPr>
+        <p:txBody>
+          <a:bodyPr anchor="t">
+            <a:normAutofit/>
+          </a:bodyPr>
+          <a:lstStyle/>
+          <a:p>
+            <a:pPr algn="l"/>
+            <a:r>
+              <a:rPr lang="en-US" altLang="zh-CN" sz="2200" dirty="0">
+                <a:solidFill>
+                  <a:schemeClr val="tx2"/>
+                </a:solidFill>
+              </a:rPr>
+              <a:t>A</a:t>
+            </a:r>
+            <a:r>
+              <a:rPr lang="zh-CN" altLang="en-US" sz="2200" dirty="0">
+                <a:solidFill>
+                  <a:schemeClr val="tx2"/>
+                </a:solidFill>
+              </a:rPr>
+              <a:t> </a:t>
+            </a:r>
+            <a:r>
+              <a:rPr lang="en-US" altLang="zh-CN" sz="2200" dirty="0">
+                <a:solidFill>
+                  <a:schemeClr val="tx2"/>
+                </a:solidFill>
+              </a:rPr>
+              <a:t>Recipe</a:t>
+            </a:r>
+            <a:r>
+              <a:rPr lang="zh-CN" altLang="en-US" sz="2200" dirty="0">
+                <a:solidFill>
+                  <a:schemeClr val="tx2"/>
+                </a:solidFill>
+              </a:rPr>
+              <a:t> </a:t>
+            </a:r>
+            <a:r>
+              <a:rPr lang="en-US" altLang="zh-CN" sz="2200" dirty="0">
+                <a:solidFill>
+                  <a:schemeClr val="tx2"/>
+                </a:solidFill>
+              </a:rPr>
+              <a:t>Recommender</a:t>
+            </a:r>
+            <a:endParaRPr lang="en-US" sz="2200" dirty="0">
               <a:solidFill>
                 <a:schemeClr val="tx2"/>
               </a:solidFill>
@@ -4144,7 +4364,7 @@
           <p:nvPr/>
         </p:nvPicPr>
         <p:blipFill rotWithShape="1">
-          <a:blip r:embed="rId2"/>
+          <a:blip r:embed="rId3"/>
           <a:srcRect l="41042"/>
           <a:stretch/>
         </p:blipFill>
@@ -4264,7 +4484,7 @@
             <a:avLst/>
           </a:prstGeom>
           <a:blipFill dpi="0" rotWithShape="1">
-            <a:blip r:embed="rId3">
+            <a:blip r:embed="rId4">
               <a:alphaModFix amt="20000"/>
               <a:duotone>
                 <a:schemeClr val="accent1">
@@ -4387,6 +4607,67 @@
                       </p:childTnLst>
                     </p:cTn>
                   </p:par>
+                  <p:par>
+                    <p:cTn id="8" fill="hold">
+                      <p:stCondLst>
+                        <p:cond delay="indefinite"/>
+                      </p:stCondLst>
+                      <p:childTnLst>
+                        <p:par>
+                          <p:cTn id="9" fill="hold">
+                            <p:stCondLst>
+                              <p:cond delay="0"/>
+                            </p:stCondLst>
+                            <p:childTnLst>
+                              <p:par>
+                                <p:cTn id="10" presetID="10" presetClass="entr" presetSubtype="0" fill="hold" grpId="0" nodeType="clickEffect">
+                                  <p:stCondLst>
+                                    <p:cond delay="0"/>
+                                  </p:stCondLst>
+                                  <p:childTnLst>
+                                    <p:set>
+                                      <p:cBhvr>
+                                        <p:cTn id="11" dur="1" fill="hold">
+                                          <p:stCondLst>
+                                            <p:cond delay="0"/>
+                                          </p:stCondLst>
+                                        </p:cTn>
+                                        <p:tgtEl>
+                                          <p:spTgt spid="11">
+                                            <p:txEl>
+                                              <p:pRg st="0" end="0"/>
+                                            </p:txEl>
+                                          </p:spTgt>
+                                        </p:tgtEl>
+                                        <p:attrNameLst>
+                                          <p:attrName>style.visibility</p:attrName>
+                                        </p:attrNameLst>
+                                      </p:cBhvr>
+                                      <p:to>
+                                        <p:strVal val="visible"/>
+                                      </p:to>
+                                    </p:set>
+                                    <p:animEffect transition="in" filter="fade">
+                                      <p:cBhvr>
+                                        <p:cTn id="12" dur="500"/>
+                                        <p:tgtEl>
+                                          <p:spTgt spid="11">
+                                            <p:txEl>
+                                              <p:pRg st="0" end="0"/>
+                                            </p:txEl>
+                                          </p:spTgt>
+                                        </p:tgtEl>
+                                      </p:cBhvr>
+                                    </p:animEffect>
+                                  </p:childTnLst>
+                                </p:cTn>
+                              </p:par>
+                            </p:childTnLst>
+                          </p:cTn>
+                        </p:par>
+                      </p:childTnLst>
+                    </p:cTn>
+                  </p:par>
                 </p:childTnLst>
               </p:cTn>
               <p:prevCondLst>
@@ -4410,6 +4691,7 @@
     </p:tnLst>
     <p:bldLst>
       <p:bldP spid="2" grpId="0"/>
+      <p:bldP spid="11" grpId="0" build="p"/>
     </p:bldLst>
   </p:timing>
 </p:sld>
@@ -6374,7 +6656,7 @@
         </p:blipFill>
         <p:spPr>
           <a:xfrm>
-            <a:off x="7645361" y="3243239"/>
+            <a:off x="7988267" y="3243239"/>
             <a:ext cx="2197100" cy="1485900"/>
           </a:xfrm>
           <a:prstGeom prst="rect">
